--- a/processImageJcolocal/example.pptx
+++ b/processImageJcolocal/example.pptx
@@ -261,7 +261,7 @@
           <a:p>
             <a:fld id="{A5987849-B3A8-431B-ACF2-5631BFA08FFB}" type="datetimeFigureOut">
               <a:rPr lang="en-US" smtClean="0"/>
-              <a:t>11/21/2022</a:t>
+              <a:t>11/22/2022</a:t>
             </a:fld>
             <a:endParaRPr lang="en-US"/>
           </a:p>
@@ -459,7 +459,7 @@
           <a:p>
             <a:fld id="{A5987849-B3A8-431B-ACF2-5631BFA08FFB}" type="datetimeFigureOut">
               <a:rPr lang="en-US" smtClean="0"/>
-              <a:t>11/21/2022</a:t>
+              <a:t>11/22/2022</a:t>
             </a:fld>
             <a:endParaRPr lang="en-US"/>
           </a:p>
@@ -667,7 +667,7 @@
           <a:p>
             <a:fld id="{A5987849-B3A8-431B-ACF2-5631BFA08FFB}" type="datetimeFigureOut">
               <a:rPr lang="en-US" smtClean="0"/>
-              <a:t>11/21/2022</a:t>
+              <a:t>11/22/2022</a:t>
             </a:fld>
             <a:endParaRPr lang="en-US"/>
           </a:p>
@@ -865,7 +865,7 @@
           <a:p>
             <a:fld id="{A5987849-B3A8-431B-ACF2-5631BFA08FFB}" type="datetimeFigureOut">
               <a:rPr lang="en-US" smtClean="0"/>
-              <a:t>11/21/2022</a:t>
+              <a:t>11/22/2022</a:t>
             </a:fld>
             <a:endParaRPr lang="en-US"/>
           </a:p>
@@ -1140,7 +1140,7 @@
           <a:p>
             <a:fld id="{A5987849-B3A8-431B-ACF2-5631BFA08FFB}" type="datetimeFigureOut">
               <a:rPr lang="en-US" smtClean="0"/>
-              <a:t>11/21/2022</a:t>
+              <a:t>11/22/2022</a:t>
             </a:fld>
             <a:endParaRPr lang="en-US"/>
           </a:p>
@@ -1405,7 +1405,7 @@
           <a:p>
             <a:fld id="{A5987849-B3A8-431B-ACF2-5631BFA08FFB}" type="datetimeFigureOut">
               <a:rPr lang="en-US" smtClean="0"/>
-              <a:t>11/21/2022</a:t>
+              <a:t>11/22/2022</a:t>
             </a:fld>
             <a:endParaRPr lang="en-US"/>
           </a:p>
@@ -1817,7 +1817,7 @@
           <a:p>
             <a:fld id="{A5987849-B3A8-431B-ACF2-5631BFA08FFB}" type="datetimeFigureOut">
               <a:rPr lang="en-US" smtClean="0"/>
-              <a:t>11/21/2022</a:t>
+              <a:t>11/22/2022</a:t>
             </a:fld>
             <a:endParaRPr lang="en-US"/>
           </a:p>
@@ -1958,7 +1958,7 @@
           <a:p>
             <a:fld id="{A5987849-B3A8-431B-ACF2-5631BFA08FFB}" type="datetimeFigureOut">
               <a:rPr lang="en-US" smtClean="0"/>
-              <a:t>11/21/2022</a:t>
+              <a:t>11/22/2022</a:t>
             </a:fld>
             <a:endParaRPr lang="en-US"/>
           </a:p>
@@ -2071,7 +2071,7 @@
           <a:p>
             <a:fld id="{A5987849-B3A8-431B-ACF2-5631BFA08FFB}" type="datetimeFigureOut">
               <a:rPr lang="en-US" smtClean="0"/>
-              <a:t>11/21/2022</a:t>
+              <a:t>11/22/2022</a:t>
             </a:fld>
             <a:endParaRPr lang="en-US"/>
           </a:p>
@@ -2382,7 +2382,7 @@
           <a:p>
             <a:fld id="{A5987849-B3A8-431B-ACF2-5631BFA08FFB}" type="datetimeFigureOut">
               <a:rPr lang="en-US" smtClean="0"/>
-              <a:t>11/21/2022</a:t>
+              <a:t>11/22/2022</a:t>
             </a:fld>
             <a:endParaRPr lang="en-US"/>
           </a:p>
@@ -2670,7 +2670,7 @@
           <a:p>
             <a:fld id="{A5987849-B3A8-431B-ACF2-5631BFA08FFB}" type="datetimeFigureOut">
               <a:rPr lang="en-US" smtClean="0"/>
-              <a:t>11/21/2022</a:t>
+              <a:t>11/22/2022</a:t>
             </a:fld>
             <a:endParaRPr lang="en-US"/>
           </a:p>
@@ -2911,7 +2911,7 @@
           <a:p>
             <a:fld id="{A5987849-B3A8-431B-ACF2-5631BFA08FFB}" type="datetimeFigureOut">
               <a:rPr lang="en-US" smtClean="0"/>
-              <a:t>11/21/2022</a:t>
+              <a:t>11/22/2022</a:t>
             </a:fld>
             <a:endParaRPr lang="en-US"/>
           </a:p>
@@ -3499,7 +3499,7 @@
           <a:p>
             <a:r>
               <a:rPr lang="en-US" dirty="0"/>
-              <a:t>Output: A list 2D density plots in pdf for each sample, and a summary table for each sample</a:t>
+              <a:t>Output: A list of 2D density plots in pdf for each sample, and a summary table for each sample</a:t>
             </a:r>
           </a:p>
         </p:txBody>

--- a/processImageJcolocal/example.pptx
+++ b/processImageJcolocal/example.pptx
@@ -261,7 +261,7 @@
           <a:p>
             <a:fld id="{A5987849-B3A8-431B-ACF2-5631BFA08FFB}" type="datetimeFigureOut">
               <a:rPr lang="en-US" smtClean="0"/>
-              <a:t>11/22/2022</a:t>
+              <a:t>11/23/2022</a:t>
             </a:fld>
             <a:endParaRPr lang="en-US"/>
           </a:p>
@@ -459,7 +459,7 @@
           <a:p>
             <a:fld id="{A5987849-B3A8-431B-ACF2-5631BFA08FFB}" type="datetimeFigureOut">
               <a:rPr lang="en-US" smtClean="0"/>
-              <a:t>11/22/2022</a:t>
+              <a:t>11/23/2022</a:t>
             </a:fld>
             <a:endParaRPr lang="en-US"/>
           </a:p>
@@ -667,7 +667,7 @@
           <a:p>
             <a:fld id="{A5987849-B3A8-431B-ACF2-5631BFA08FFB}" type="datetimeFigureOut">
               <a:rPr lang="en-US" smtClean="0"/>
-              <a:t>11/22/2022</a:t>
+              <a:t>11/23/2022</a:t>
             </a:fld>
             <a:endParaRPr lang="en-US"/>
           </a:p>
@@ -865,7 +865,7 @@
           <a:p>
             <a:fld id="{A5987849-B3A8-431B-ACF2-5631BFA08FFB}" type="datetimeFigureOut">
               <a:rPr lang="en-US" smtClean="0"/>
-              <a:t>11/22/2022</a:t>
+              <a:t>11/23/2022</a:t>
             </a:fld>
             <a:endParaRPr lang="en-US"/>
           </a:p>
@@ -1140,7 +1140,7 @@
           <a:p>
             <a:fld id="{A5987849-B3A8-431B-ACF2-5631BFA08FFB}" type="datetimeFigureOut">
               <a:rPr lang="en-US" smtClean="0"/>
-              <a:t>11/22/2022</a:t>
+              <a:t>11/23/2022</a:t>
             </a:fld>
             <a:endParaRPr lang="en-US"/>
           </a:p>
@@ -1405,7 +1405,7 @@
           <a:p>
             <a:fld id="{A5987849-B3A8-431B-ACF2-5631BFA08FFB}" type="datetimeFigureOut">
               <a:rPr lang="en-US" smtClean="0"/>
-              <a:t>11/22/2022</a:t>
+              <a:t>11/23/2022</a:t>
             </a:fld>
             <a:endParaRPr lang="en-US"/>
           </a:p>
@@ -1817,7 +1817,7 @@
           <a:p>
             <a:fld id="{A5987849-B3A8-431B-ACF2-5631BFA08FFB}" type="datetimeFigureOut">
               <a:rPr lang="en-US" smtClean="0"/>
-              <a:t>11/22/2022</a:t>
+              <a:t>11/23/2022</a:t>
             </a:fld>
             <a:endParaRPr lang="en-US"/>
           </a:p>
@@ -1958,7 +1958,7 @@
           <a:p>
             <a:fld id="{A5987849-B3A8-431B-ACF2-5631BFA08FFB}" type="datetimeFigureOut">
               <a:rPr lang="en-US" smtClean="0"/>
-              <a:t>11/22/2022</a:t>
+              <a:t>11/23/2022</a:t>
             </a:fld>
             <a:endParaRPr lang="en-US"/>
           </a:p>
@@ -2071,7 +2071,7 @@
           <a:p>
             <a:fld id="{A5987849-B3A8-431B-ACF2-5631BFA08FFB}" type="datetimeFigureOut">
               <a:rPr lang="en-US" smtClean="0"/>
-              <a:t>11/22/2022</a:t>
+              <a:t>11/23/2022</a:t>
             </a:fld>
             <a:endParaRPr lang="en-US"/>
           </a:p>
@@ -2382,7 +2382,7 @@
           <a:p>
             <a:fld id="{A5987849-B3A8-431B-ACF2-5631BFA08FFB}" type="datetimeFigureOut">
               <a:rPr lang="en-US" smtClean="0"/>
-              <a:t>11/22/2022</a:t>
+              <a:t>11/23/2022</a:t>
             </a:fld>
             <a:endParaRPr lang="en-US"/>
           </a:p>
@@ -2670,7 +2670,7 @@
           <a:p>
             <a:fld id="{A5987849-B3A8-431B-ACF2-5631BFA08FFB}" type="datetimeFigureOut">
               <a:rPr lang="en-US" smtClean="0"/>
-              <a:t>11/22/2022</a:t>
+              <a:t>11/23/2022</a:t>
             </a:fld>
             <a:endParaRPr lang="en-US"/>
           </a:p>
@@ -2911,7 +2911,7 @@
           <a:p>
             <a:fld id="{A5987849-B3A8-431B-ACF2-5631BFA08FFB}" type="datetimeFigureOut">
               <a:rPr lang="en-US" smtClean="0"/>
-              <a:t>11/22/2022</a:t>
+              <a:t>11/23/2022</a:t>
             </a:fld>
             <a:endParaRPr lang="en-US"/>
           </a:p>
@@ -3461,7 +3461,7 @@
         </p:blipFill>
         <p:spPr>
           <a:xfrm>
-            <a:off x="7583251" y="2251991"/>
+            <a:off x="7780101" y="2221298"/>
             <a:ext cx="2238687" cy="1457528"/>
           </a:xfrm>
           <a:prstGeom prst="rect">
@@ -3483,8 +3483,8 @@
         </p:nvSpPr>
         <p:spPr>
           <a:xfrm>
-            <a:off x="7058081" y="1344930"/>
-            <a:ext cx="3973364" cy="923330"/>
+            <a:off x="6725081" y="1009803"/>
+            <a:ext cx="4721169" cy="1200329"/>
           </a:xfrm>
           <a:prstGeom prst="rect">
             <a:avLst/>
@@ -3499,7 +3499,7 @@
           <a:p>
             <a:r>
               <a:rPr lang="en-US" dirty="0"/>
-              <a:t>Output: A list of 2D density plots in pdf for each sample, and a summary table for each sample</a:t>
+              <a:t>Output: A list of 2D density plots in pdf for each sample, and two summary tables with coordinates and pixel intensity for each sample and Pearson stats.</a:t>
             </a:r>
           </a:p>
         </p:txBody>
@@ -3526,8 +3526,8 @@
         </p:blipFill>
         <p:spPr>
           <a:xfrm>
-            <a:off x="6868233" y="3983095"/>
-            <a:ext cx="1181265" cy="1657581"/>
+            <a:off x="6969144" y="3599094"/>
+            <a:ext cx="954234" cy="1339006"/>
           </a:xfrm>
           <a:prstGeom prst="rect">
             <a:avLst/>
@@ -3556,7 +3556,7 @@
         </p:blipFill>
         <p:spPr>
           <a:xfrm>
-            <a:off x="8049498" y="4351542"/>
+            <a:off x="7978887" y="3863521"/>
             <a:ext cx="3544879" cy="530075"/>
           </a:xfrm>
           <a:prstGeom prst="rect">
@@ -3618,6 +3618,66 @@
           <a:xfrm>
             <a:off x="540472" y="1808857"/>
             <a:ext cx="4248743" cy="1438476"/>
+          </a:xfrm>
+          <a:prstGeom prst="rect">
+            <a:avLst/>
+          </a:prstGeom>
+        </p:spPr>
+      </p:pic>
+      <p:pic>
+        <p:nvPicPr>
+          <p:cNvPr id="4" name="Picture 3">
+            <a:extLst>
+              <a:ext uri="{FF2B5EF4-FFF2-40B4-BE49-F238E27FC236}">
+                <a16:creationId xmlns:a16="http://schemas.microsoft.com/office/drawing/2014/main" id="{4B5EC659-DAE8-817B-3754-BF58F5C77217}"/>
+              </a:ext>
+            </a:extLst>
+          </p:cNvPr>
+          <p:cNvPicPr>
+            <a:picLocks noChangeAspect="1"/>
+          </p:cNvPicPr>
+          <p:nvPr/>
+        </p:nvPicPr>
+        <p:blipFill>
+          <a:blip r:embed="rId8"/>
+          <a:stretch>
+            <a:fillRect/>
+          </a:stretch>
+        </p:blipFill>
+        <p:spPr>
+          <a:xfrm>
+            <a:off x="7133100" y="4832009"/>
+            <a:ext cx="790278" cy="1286139"/>
+          </a:xfrm>
+          <a:prstGeom prst="rect">
+            <a:avLst/>
+          </a:prstGeom>
+        </p:spPr>
+      </p:pic>
+      <p:pic>
+        <p:nvPicPr>
+          <p:cNvPr id="8" name="Picture 7">
+            <a:extLst>
+              <a:ext uri="{FF2B5EF4-FFF2-40B4-BE49-F238E27FC236}">
+                <a16:creationId xmlns:a16="http://schemas.microsoft.com/office/drawing/2014/main" id="{982DEB9A-2C5E-AA13-7CD2-5A4406AD2D8B}"/>
+              </a:ext>
+            </a:extLst>
+          </p:cNvPr>
+          <p:cNvPicPr>
+            <a:picLocks noChangeAspect="1"/>
+          </p:cNvPicPr>
+          <p:nvPr/>
+        </p:nvPicPr>
+        <p:blipFill>
+          <a:blip r:embed="rId9"/>
+          <a:stretch>
+            <a:fillRect/>
+          </a:stretch>
+        </p:blipFill>
+        <p:spPr>
+          <a:xfrm>
+            <a:off x="8288199" y="4825506"/>
+            <a:ext cx="3067478" cy="1086002"/>
           </a:xfrm>
           <a:prstGeom prst="rect">
             <a:avLst/>
